--- a/AdvOS/PPT+papers/Giraldo NDSS20 Notes.pptx
+++ b/AdvOS/PPT+papers/Giraldo NDSS20 Notes.pptx
@@ -562,6 +562,376 @@
         </p:txBody>
       </p:sp>
     </p:spTree>
+  </p:cSld>
+  <p:clrMapOvr>
+    <a:masterClrMapping/>
+  </p:clrMapOvr>
+</p:notes>
+</file>
+
+<file path=ppt/notesSlides/notesSlide2.xml><?xml version="1.0" encoding="utf-8"?>
+<p:notes xmlns:a="http://schemas.openxmlformats.org/drawingml/2006/main" xmlns:r="http://schemas.openxmlformats.org/officeDocument/2006/relationships" xmlns:p="http://schemas.openxmlformats.org/presentationml/2006/main">
+  <p:cSld>
+    <p:spTree>
+      <p:nvGrpSpPr>
+        <p:cNvPr id="1" name=""/>
+        <p:cNvGrpSpPr/>
+        <p:nvPr/>
+      </p:nvGrpSpPr>
+      <p:grpSpPr>
+        <a:xfrm>
+          <a:off x="0" y="0"/>
+          <a:ext cx="0" cy="0"/>
+          <a:chOff x="0" y="0"/>
+          <a:chExt cx="0" cy="0"/>
+        </a:xfrm>
+      </p:grpSpPr>
+      <p:sp>
+        <p:nvSpPr>
+          <p:cNvPr id="2" name="Slide Image Placeholder 1"/>
+          <p:cNvSpPr>
+            <a:spLocks noGrp="1" noRot="1" noChangeAspect="1"/>
+          </p:cNvSpPr>
+          <p:nvPr>
+            <p:ph type="sldImg"/>
+          </p:nvPr>
+        </p:nvSpPr>
+        <p:spPr/>
+      </p:sp>
+      <mc:AlternateContent xmlns:mc="http://schemas.openxmlformats.org/markup-compatibility/2006">
+        <mc:Choice xmlns:a14="http://schemas.microsoft.com/office/drawing/2010/main" Requires="a14">
+          <p:sp>
+            <p:nvSpPr>
+              <p:cNvPr id="3" name="Notes Placeholder 2"/>
+              <p:cNvSpPr>
+                <a:spLocks noGrp="1"/>
+              </p:cNvSpPr>
+              <p:nvPr>
+                <p:ph type="body" idx="1"/>
+              </p:nvPr>
+            </p:nvSpPr>
+            <p:spPr/>
+            <p:txBody>
+              <a:bodyPr/>
+              <a:lstStyle/>
+              <a:p>
+                <a:r>
+                  <a:rPr lang="en-US" sz="1200" b="0" i="0" u="none" strike="noStrike" kern="1200" baseline="0" dirty="0" smtClean="0">
+                    <a:solidFill>
+                      <a:schemeClr val="tx1"/>
+                    </a:solidFill>
+                    <a:latin typeface="+mn-lt"/>
+                    <a:ea typeface="+mn-ea"/>
+                    <a:cs typeface="+mn-cs"/>
+                  </a:rPr>
+                  <a:t>X</a:t>
+                </a:r>
+                <a:r>
+                  <a:rPr lang="en-SE" sz="1200" b="0" i="0" u="none" strike="noStrike" kern="1200" baseline="0" dirty="0" smtClean="0">
+                    <a:solidFill>
+                      <a:schemeClr val="tx1"/>
+                    </a:solidFill>
+                    <a:latin typeface="+mn-lt"/>
+                    <a:ea typeface="+mn-ea"/>
+                    <a:cs typeface="+mn-cs"/>
+                  </a:rPr>
+                  <a:t>XX But </a:t>
+                </a:r>
+                <a14:m>
+                  <m:oMath xmlns:m="http://schemas.openxmlformats.org/officeDocument/2006/math">
+                    <m:r>
+                      <a:rPr lang="en-SE" i="1" smtClean="0">
+                        <a:latin typeface="Cambria Math" panose="02040503050406030204" pitchFamily="18" charset="0"/>
+                      </a:rPr>
+                      <m:t>𝐸</m:t>
+                    </m:r>
+                    <m:d>
+                      <m:dPr>
+                        <m:begChr m:val="["/>
+                        <m:endChr m:val="]"/>
+                        <m:ctrlPr>
+                          <a:rPr lang="en-SE" i="1">
+                            <a:latin typeface="Cambria Math" panose="02040503050406030204" pitchFamily="18" charset="0"/>
+                          </a:rPr>
+                        </m:ctrlPr>
+                      </m:dPr>
+                      <m:e>
+                        <m:sSup>
+                          <m:sSupPr>
+                            <m:ctrlPr>
+                              <a:rPr lang="en-SE" i="1">
+                                <a:latin typeface="Cambria Math" panose="02040503050406030204" pitchFamily="18" charset="0"/>
+                              </a:rPr>
+                            </m:ctrlPr>
+                          </m:sSupPr>
+                          <m:e>
+                            <m:r>
+                              <a:rPr lang="en-SE" i="1">
+                                <a:latin typeface="Cambria Math" panose="02040503050406030204" pitchFamily="18" charset="0"/>
+                              </a:rPr>
+                              <m:t>𝑌</m:t>
+                            </m:r>
+                          </m:e>
+                          <m:sup>
+                            <m:r>
+                              <a:rPr lang="en-SE" i="1">
+                                <a:latin typeface="Cambria Math" panose="02040503050406030204" pitchFamily="18" charset="0"/>
+                              </a:rPr>
+                              <m:t>𝑎</m:t>
+                            </m:r>
+                          </m:sup>
+                        </m:sSup>
+                      </m:e>
+                    </m:d>
+                  </m:oMath>
+                </a14:m>
+                <a:r>
+                  <a:rPr lang="en-SE" dirty="0" smtClean="0"/>
+                  <a:t> is not the mean of difference. But it</a:t>
+                </a:r>
+                <a:r>
+                  <a:rPr lang="en-SE" baseline="0" dirty="0" smtClean="0"/>
+                  <a:t> is a stationary (min or max) point, so no matter what Y is, the stationary point of a convex function will maximize the difference.</a:t>
+                </a:r>
+                <a:endParaRPr lang="en-US" dirty="0"/>
+              </a:p>
+            </p:txBody>
+          </p:sp>
+        </mc:Choice>
+        <mc:Fallback>
+          <p:sp>
+            <p:nvSpPr>
+              <p:cNvPr id="3" name="Notes Placeholder 2"/>
+              <p:cNvSpPr>
+                <a:spLocks noGrp="1"/>
+              </p:cNvSpPr>
+              <p:nvPr>
+                <p:ph type="body" idx="1"/>
+              </p:nvPr>
+            </p:nvSpPr>
+            <p:spPr/>
+            <p:txBody>
+              <a:bodyPr/>
+              <a:lstStyle/>
+              <a:p>
+                <a:r>
+                  <a:rPr lang="en-US" sz="1200" b="0" i="0" u="none" strike="noStrike" kern="1200" baseline="0" dirty="0" smtClean="0">
+                    <a:solidFill>
+                      <a:schemeClr val="tx1"/>
+                    </a:solidFill>
+                    <a:latin typeface="+mn-lt"/>
+                    <a:ea typeface="+mn-ea"/>
+                    <a:cs typeface="+mn-cs"/>
+                  </a:rPr>
+                  <a:t>X</a:t>
+                </a:r>
+                <a:r>
+                  <a:rPr lang="en-SE" sz="1200" b="0" i="0" u="none" strike="noStrike" kern="1200" baseline="0" dirty="0" smtClean="0">
+                    <a:solidFill>
+                      <a:schemeClr val="tx1"/>
+                    </a:solidFill>
+                    <a:latin typeface="+mn-lt"/>
+                    <a:ea typeface="+mn-ea"/>
+                    <a:cs typeface="+mn-cs"/>
+                  </a:rPr>
+                  <a:t>XX But </a:t>
+                </a:r>
+                <a:r>
+                  <a:rPr lang="en-SE" i="0" smtClean="0">
+                    <a:latin typeface="Cambria Math" panose="02040503050406030204" pitchFamily="18" charset="0"/>
+                  </a:rPr>
+                  <a:t>𝐸</a:t>
+                </a:r>
+                <a:r>
+                  <a:rPr lang="en-SE" i="0">
+                    <a:latin typeface="Cambria Math" panose="02040503050406030204" pitchFamily="18" charset="0"/>
+                  </a:rPr>
+                  <a:t>[𝑌^𝑎 ]</a:t>
+                </a:r>
+                <a:r>
+                  <a:rPr lang="en-SE" dirty="0" smtClean="0"/>
+                  <a:t> is not the mean of difference. But it</a:t>
+                </a:r>
+                <a:r>
+                  <a:rPr lang="en-SE" baseline="0" dirty="0" smtClean="0"/>
+                  <a:t> is a stationary (min or max) point, so no matter what Y is, the stationary point of a convex function will maximize the difference.</a:t>
+                </a:r>
+                <a:endParaRPr lang="en-US" dirty="0"/>
+              </a:p>
+            </p:txBody>
+          </p:sp>
+        </mc:Fallback>
+      </mc:AlternateContent>
+      <p:sp>
+        <p:nvSpPr>
+          <p:cNvPr id="4" name="Slide Number Placeholder 3"/>
+          <p:cNvSpPr>
+            <a:spLocks noGrp="1"/>
+          </p:cNvSpPr>
+          <p:nvPr>
+            <p:ph type="sldNum" sz="quarter" idx="10"/>
+          </p:nvPr>
+        </p:nvSpPr>
+        <p:spPr/>
+        <p:txBody>
+          <a:bodyPr/>
+          <a:lstStyle/>
+          <a:p>
+            <a:fld id="{9759C4A7-EF62-4E76-99C8-FC7A8F377225}" type="slidenum">
+              <a:rPr lang="en-US" smtClean="0"/>
+              <a:pPr/>
+              <a:t>5</a:t>
+            </a:fld>
+            <a:endParaRPr lang="en-US"/>
+          </a:p>
+        </p:txBody>
+      </p:sp>
+    </p:spTree>
+    <p:extLst>
+      <p:ext uri="{BB962C8B-B14F-4D97-AF65-F5344CB8AC3E}">
+        <p14:creationId xmlns:p14="http://schemas.microsoft.com/office/powerpoint/2010/main" val="121916836"/>
+      </p:ext>
+    </p:extLst>
+  </p:cSld>
+  <p:clrMapOvr>
+    <a:masterClrMapping/>
+  </p:clrMapOvr>
+</p:notes>
+</file>
+
+<file path=ppt/notesSlides/notesSlide3.xml><?xml version="1.0" encoding="utf-8"?>
+<p:notes xmlns:a="http://schemas.openxmlformats.org/drawingml/2006/main" xmlns:r="http://schemas.openxmlformats.org/officeDocument/2006/relationships" xmlns:p="http://schemas.openxmlformats.org/presentationml/2006/main">
+  <p:cSld>
+    <p:spTree>
+      <p:nvGrpSpPr>
+        <p:cNvPr id="1" name=""/>
+        <p:cNvGrpSpPr/>
+        <p:nvPr/>
+      </p:nvGrpSpPr>
+      <p:grpSpPr>
+        <a:xfrm>
+          <a:off x="0" y="0"/>
+          <a:ext cx="0" cy="0"/>
+          <a:chOff x="0" y="0"/>
+          <a:chExt cx="0" cy="0"/>
+        </a:xfrm>
+      </p:grpSpPr>
+      <p:sp>
+        <p:nvSpPr>
+          <p:cNvPr id="2" name="Slide Image Placeholder 1"/>
+          <p:cNvSpPr>
+            <a:spLocks noGrp="1" noRot="1" noChangeAspect="1"/>
+          </p:cNvSpPr>
+          <p:nvPr>
+            <p:ph type="sldImg"/>
+          </p:nvPr>
+        </p:nvSpPr>
+        <p:spPr/>
+      </p:sp>
+      <p:sp>
+        <p:nvSpPr>
+          <p:cNvPr id="3" name="Notes Placeholder 2"/>
+          <p:cNvSpPr>
+            <a:spLocks noGrp="1"/>
+          </p:cNvSpPr>
+          <p:nvPr>
+            <p:ph type="body" idx="1"/>
+          </p:nvPr>
+        </p:nvSpPr>
+        <p:spPr/>
+        <p:txBody>
+          <a:bodyPr/>
+          <a:lstStyle/>
+          <a:p>
+            <a:r>
+              <a:rPr lang="en-SE" sz="1200" b="0" i="0" u="none" strike="noStrike" kern="1200" baseline="0" dirty="0" smtClean="0">
+                <a:solidFill>
+                  <a:schemeClr val="tx1"/>
+                </a:solidFill>
+                <a:latin typeface="+mn-lt"/>
+                <a:ea typeface="+mn-ea"/>
+                <a:cs typeface="+mn-cs"/>
+              </a:rPr>
+              <a:t>XXX How to t</a:t>
+            </a:r>
+            <a:r>
+              <a:rPr lang="en-GB" sz="1200" b="0" i="0" u="none" strike="noStrike" kern="1200" baseline="0" dirty="0" err="1" smtClean="0">
+                <a:solidFill>
+                  <a:schemeClr val="tx1"/>
+                </a:solidFill>
+                <a:latin typeface="+mn-lt"/>
+                <a:ea typeface="+mn-ea"/>
+                <a:cs typeface="+mn-cs"/>
+              </a:rPr>
+              <a:t>ake</a:t>
+            </a:r>
+            <a:r>
+              <a:rPr lang="en-GB" sz="1200" b="0" i="0" u="none" strike="noStrike" kern="1200" baseline="0" dirty="0" smtClean="0">
+                <a:solidFill>
+                  <a:schemeClr val="tx1"/>
+                </a:solidFill>
+                <a:latin typeface="+mn-lt"/>
+                <a:ea typeface="+mn-ea"/>
+                <a:cs typeface="+mn-cs"/>
+              </a:rPr>
+              <a:t> the derivative of the </a:t>
+            </a:r>
+            <a:r>
+              <a:rPr lang="en-GB" sz="1200" b="0" i="0" u="none" strike="noStrike" kern="1200" baseline="0" dirty="0" err="1" smtClean="0">
+                <a:solidFill>
+                  <a:schemeClr val="tx1"/>
+                </a:solidFill>
+                <a:latin typeface="+mn-lt"/>
+                <a:ea typeface="+mn-ea"/>
+                <a:cs typeface="+mn-cs"/>
+              </a:rPr>
+              <a:t>Lagrangian</a:t>
+            </a:r>
+            <a:r>
+              <a:rPr lang="en-SE" sz="1200" b="0" i="0" u="none" strike="noStrike" kern="1200" baseline="0" dirty="0" smtClean="0">
+                <a:solidFill>
+                  <a:schemeClr val="tx1"/>
+                </a:solidFill>
+                <a:latin typeface="+mn-lt"/>
+                <a:ea typeface="+mn-ea"/>
+                <a:cs typeface="+mn-cs"/>
+              </a:rPr>
+              <a:t>?</a:t>
+            </a:r>
+            <a:endParaRPr lang="en-US" dirty="0"/>
+          </a:p>
+        </p:txBody>
+      </p:sp>
+      <p:sp>
+        <p:nvSpPr>
+          <p:cNvPr id="4" name="Slide Number Placeholder 3"/>
+          <p:cNvSpPr>
+            <a:spLocks noGrp="1"/>
+          </p:cNvSpPr>
+          <p:nvPr>
+            <p:ph type="sldNum" sz="quarter" idx="10"/>
+          </p:nvPr>
+        </p:nvSpPr>
+        <p:spPr/>
+        <p:txBody>
+          <a:bodyPr/>
+          <a:lstStyle/>
+          <a:p>
+            <a:fld id="{9759C4A7-EF62-4E76-99C8-FC7A8F377225}" type="slidenum">
+              <a:rPr lang="en-US" smtClean="0"/>
+              <a:pPr/>
+              <a:t>11</a:t>
+            </a:fld>
+            <a:endParaRPr lang="en-US"/>
+          </a:p>
+        </p:txBody>
+      </p:sp>
+    </p:spTree>
+    <p:extLst>
+      <p:ext uri="{BB962C8B-B14F-4D97-AF65-F5344CB8AC3E}">
+        <p14:creationId xmlns:p14="http://schemas.microsoft.com/office/powerpoint/2010/main" val="755277078"/>
+      </p:ext>
+    </p:extLst>
   </p:cSld>
   <p:clrMapOvr>
     <a:masterClrMapping/>
@@ -1883,6 +2253,13 @@
   <p:clrMapOvr>
     <a:masterClrMapping/>
   </p:clrMapOvr>
+  <p:timing>
+    <p:tnLst>
+      <p:par>
+        <p:cTn id="1" dur="indefinite" restart="never" nodeType="tmRoot"/>
+      </p:par>
+    </p:tnLst>
+  </p:timing>
 </p:sld>
 </file>
 
@@ -1950,7 +2327,7 @@
           <p:nvPr/>
         </p:nvPicPr>
         <p:blipFill>
-          <a:blip r:embed="rId2"/>
+          <a:blip r:embed="rId3"/>
           <a:stretch>
             <a:fillRect/>
           </a:stretch>
@@ -1974,7 +2351,7 @@
           <p:nvPr/>
         </p:nvPicPr>
         <p:blipFill>
-          <a:blip r:embed="rId3"/>
+          <a:blip r:embed="rId4"/>
           <a:stretch>
             <a:fillRect/>
           </a:stretch>
@@ -1999,6 +2376,13 @@
   <p:clrMapOvr>
     <a:masterClrMapping/>
   </p:clrMapOvr>
+  <p:timing>
+    <p:tnLst>
+      <p:par>
+        <p:cTn id="1" dur="indefinite" restart="never" nodeType="tmRoot"/>
+      </p:par>
+    </p:tnLst>
+  </p:timing>
 </p:sld>
 </file>
 
@@ -2119,6 +2503,13 @@
   <p:clrMapOvr>
     <a:masterClrMapping/>
   </p:clrMapOvr>
+  <p:timing>
+    <p:tnLst>
+      <p:par>
+        <p:cTn id="1" dur="indefinite" restart="never" nodeType="tmRoot"/>
+      </p:par>
+    </p:tnLst>
+  </p:timing>
 </p:sld>
 </file>
 
@@ -2476,6 +2867,13 @@
   <p:clrMapOvr>
     <a:masterClrMapping/>
   </p:clrMapOvr>
+  <p:timing>
+    <p:tnLst>
+      <p:par>
+        <p:cTn id="1" dur="indefinite" restart="never" nodeType="tmRoot"/>
+      </p:par>
+    </p:tnLst>
+  </p:timing>
 </p:sld>
 </file>
 
@@ -2598,6 +2996,13 @@
   <p:clrMapOvr>
     <a:masterClrMapping/>
   </p:clrMapOvr>
+  <p:timing>
+    <p:tnLst>
+      <p:par>
+        <p:cTn id="1" dur="indefinite" restart="never" nodeType="tmRoot"/>
+      </p:par>
+    </p:tnLst>
+  </p:timing>
 </p:sld>
 </file>
 
@@ -2969,6 +3374,13 @@
   <p:clrMapOvr>
     <a:masterClrMapping/>
   </p:clrMapOvr>
+  <p:timing>
+    <p:tnLst>
+      <p:par>
+        <p:cTn id="1" dur="indefinite" restart="never" nodeType="tmRoot"/>
+      </p:par>
+    </p:tnLst>
+  </p:timing>
 </p:sld>
 </file>
 
@@ -3122,6 +3534,13 @@
   <p:clrMapOvr>
     <a:masterClrMapping/>
   </p:clrMapOvr>
+  <p:timing>
+    <p:tnLst>
+      <p:par>
+        <p:cTn id="1" dur="indefinite" restart="never" nodeType="tmRoot"/>
+      </p:par>
+    </p:tnLst>
+  </p:timing>
 </p:sld>
 </file>
 
@@ -3325,6 +3744,13 @@
   <p:clrMapOvr>
     <a:masterClrMapping/>
   </p:clrMapOvr>
+  <p:timing>
+    <p:tnLst>
+      <p:par>
+        <p:cTn id="1" dur="indefinite" restart="never" nodeType="tmRoot"/>
+      </p:par>
+    </p:tnLst>
+  </p:timing>
 </p:sld>
 </file>
 
@@ -3376,8 +3802,8 @@
           </a:p>
         </p:txBody>
       </p:sp>
-      <mc:AlternateContent xmlns:mc="http://schemas.openxmlformats.org/markup-compatibility/2006" xmlns:a14="http://schemas.microsoft.com/office/drawing/2010/main">
-        <mc:Choice Requires="a14">
+      <mc:AlternateContent xmlns:mc="http://schemas.openxmlformats.org/markup-compatibility/2006">
+        <mc:Choice xmlns:a14="http://schemas.microsoft.com/office/drawing/2010/main" Requires="a14">
           <p:sp>
             <p:nvSpPr>
               <p:cNvPr id="3" name="Content Placeholder 2"/>
@@ -3581,7 +4007,54 @@
                 </a:r>
                 <a:r>
                   <a:rPr lang="en-GB" dirty="0"/>
-                  <a:t>difference between the mean of Y a and the mean of Y </a:t>
+                  <a:t>difference between the mean of </a:t>
+                </a:r>
+                <a14:m>
+                  <m:oMath xmlns:m="http://schemas.openxmlformats.org/officeDocument/2006/math">
+                    <m:sSup>
+                      <m:sSupPr>
+                        <m:ctrlPr>
+                          <a:rPr lang="en-SE" i="1">
+                            <a:latin typeface="Cambria Math" panose="02040503050406030204" pitchFamily="18" charset="0"/>
+                          </a:rPr>
+                        </m:ctrlPr>
+                      </m:sSupPr>
+                      <m:e>
+                        <m:r>
+                          <a:rPr lang="en-SE" i="1">
+                            <a:latin typeface="Cambria Math" panose="02040503050406030204" pitchFamily="18" charset="0"/>
+                          </a:rPr>
+                          <m:t>𝑌</m:t>
+                        </m:r>
+                      </m:e>
+                      <m:sup>
+                        <m:r>
+                          <a:rPr lang="en-SE" i="1">
+                            <a:latin typeface="Cambria Math" panose="02040503050406030204" pitchFamily="18" charset="0"/>
+                          </a:rPr>
+                          <m:t>𝑎</m:t>
+                        </m:r>
+                      </m:sup>
+                    </m:sSup>
+                  </m:oMath>
+                </a14:m>
+                <a:r>
+                  <a:rPr lang="en-GB" dirty="0"/>
+                  <a:t> and the mean of </a:t>
+                </a:r>
+                <a14:m>
+                  <m:oMath xmlns:m="http://schemas.openxmlformats.org/officeDocument/2006/math">
+                    <m:r>
+                      <a:rPr lang="en-SE" b="0" i="1" smtClean="0">
+                        <a:latin typeface="Cambria Math" panose="02040503050406030204" pitchFamily="18" charset="0"/>
+                      </a:rPr>
+                      <m:t>𝑌</m:t>
+                    </m:r>
+                  </m:oMath>
+                </a14:m>
+                <a:r>
+                  <a:rPr lang="en-SE" dirty="0" smtClean="0"/>
+                  <a:t> </a:t>
                 </a:r>
                 <a:r>
                   <a:rPr lang="en-GB" dirty="0" smtClean="0"/>
@@ -3626,7 +4099,7 @@
             </p:txBody>
           </p:sp>
         </mc:Choice>
-        <mc:Fallback xmlns="">
+        <mc:Fallback>
           <p:sp>
             <p:nvSpPr>
               <p:cNvPr id="3" name="Content Placeholder 2"/>
@@ -3643,7 +4116,7 @@
                 <a:ext cx="4611369" cy="2952327"/>
               </a:xfrm>
               <a:blipFill>
-                <a:blip r:embed="rId2"/>
+                <a:blip r:embed="rId3"/>
                 <a:stretch>
                   <a:fillRect l="-1984" t="-3926" r="-2910"/>
                 </a:stretch>
@@ -3673,7 +4146,7 @@
           <p:nvPr/>
         </p:nvPicPr>
         <p:blipFill>
-          <a:blip r:embed="rId3"/>
+          <a:blip r:embed="rId4"/>
           <a:stretch>
             <a:fillRect/>
           </a:stretch>
@@ -3697,7 +4170,7 @@
           <p:nvPr/>
         </p:nvPicPr>
         <p:blipFill>
-          <a:blip r:embed="rId4"/>
+          <a:blip r:embed="rId5"/>
           <a:stretch>
             <a:fillRect/>
           </a:stretch>
@@ -3721,7 +4194,7 @@
           <p:nvPr/>
         </p:nvPicPr>
         <p:blipFill>
-          <a:blip r:embed="rId5"/>
+          <a:blip r:embed="rId6"/>
           <a:stretch>
             <a:fillRect/>
           </a:stretch>
@@ -3746,6 +4219,13 @@
   <p:clrMapOvr>
     <a:masterClrMapping/>
   </p:clrMapOvr>
+  <p:timing>
+    <p:tnLst>
+      <p:par>
+        <p:cTn id="1" dur="indefinite" restart="never" nodeType="tmRoot"/>
+      </p:par>
+    </p:tnLst>
+  </p:timing>
 </p:sld>
 </file>
 
@@ -3862,6 +4342,13 @@
   <p:clrMapOvr>
     <a:masterClrMapping/>
   </p:clrMapOvr>
+  <p:timing>
+    <p:tnLst>
+      <p:par>
+        <p:cTn id="1" dur="indefinite" restart="never" nodeType="tmRoot"/>
+      </p:par>
+    </p:tnLst>
+  </p:timing>
 </p:sld>
 </file>
 
@@ -4246,6 +4733,13 @@
   <p:clrMapOvr>
     <a:masterClrMapping/>
   </p:clrMapOvr>
+  <p:timing>
+    <p:tnLst>
+      <p:par>
+        <p:cTn id="1" dur="indefinite" restart="never" nodeType="tmRoot"/>
+      </p:par>
+    </p:tnLst>
+  </p:timing>
 </p:sld>
 </file>
 
@@ -4342,6 +4836,13 @@
   <p:clrMapOvr>
     <a:masterClrMapping/>
   </p:clrMapOvr>
+  <p:timing>
+    <p:tnLst>
+      <p:par>
+        <p:cTn id="1" dur="indefinite" restart="never" nodeType="tmRoot"/>
+      </p:par>
+    </p:tnLst>
+  </p:timing>
 </p:sld>
 </file>
 
@@ -4442,6 +4943,13 @@
   <p:clrMapOvr>
     <a:masterClrMapping/>
   </p:clrMapOvr>
+  <p:timing>
+    <p:tnLst>
+      <p:par>
+        <p:cTn id="1" dur="indefinite" restart="never" nodeType="tmRoot"/>
+      </p:par>
+    </p:tnLst>
+  </p:timing>
 </p:sld>
 </file>
 

--- a/AdvOS/PPT+papers/Giraldo NDSS20 Notes.pptx
+++ b/AdvOS/PPT+papers/Giraldo NDSS20 Notes.pptx
@@ -222,7 +222,7 @@
             <a:fld id="{7C0CEB4B-0D62-444C-A05C-70565453F06B}" type="datetimeFigureOut">
               <a:rPr lang="en-US" smtClean="0"/>
               <a:pPr/>
-              <a:t>6/10/2020</a:t>
+              <a:t>6/12/2020</a:t>
             </a:fld>
             <a:endParaRPr lang="en-US"/>
           </a:p>
@@ -598,8 +598,8 @@
         </p:nvSpPr>
         <p:spPr/>
       </p:sp>
-      <mc:AlternateContent xmlns:mc="http://schemas.openxmlformats.org/markup-compatibility/2006">
-        <mc:Choice xmlns:a14="http://schemas.microsoft.com/office/drawing/2010/main" Requires="a14">
+      <mc:AlternateContent xmlns:mc="http://schemas.openxmlformats.org/markup-compatibility/2006" xmlns:a14="http://schemas.microsoft.com/office/drawing/2010/main">
+        <mc:Choice Requires="a14">
           <p:sp>
             <p:nvSpPr>
               <p:cNvPr id="3" name="Notes Placeholder 2"/>
@@ -698,7 +698,7 @@
             </p:txBody>
           </p:sp>
         </mc:Choice>
-        <mc:Fallback>
+        <mc:Fallback xmlns="">
           <p:sp>
             <p:nvSpPr>
               <p:cNvPr id="3" name="Notes Placeholder 2"/>
@@ -930,6 +930,233 @@
     <p:extLst>
       <p:ext uri="{BB962C8B-B14F-4D97-AF65-F5344CB8AC3E}">
         <p14:creationId xmlns:p14="http://schemas.microsoft.com/office/powerpoint/2010/main" val="755277078"/>
+      </p:ext>
+    </p:extLst>
+  </p:cSld>
+  <p:clrMapOvr>
+    <a:masterClrMapping/>
+  </p:clrMapOvr>
+</p:notes>
+</file>
+
+<file path=ppt/notesSlides/notesSlide4.xml><?xml version="1.0" encoding="utf-8"?>
+<p:notes xmlns:a="http://schemas.openxmlformats.org/drawingml/2006/main" xmlns:r="http://schemas.openxmlformats.org/officeDocument/2006/relationships" xmlns:p="http://schemas.openxmlformats.org/presentationml/2006/main">
+  <p:cSld>
+    <p:spTree>
+      <p:nvGrpSpPr>
+        <p:cNvPr id="1" name=""/>
+        <p:cNvGrpSpPr/>
+        <p:nvPr/>
+      </p:nvGrpSpPr>
+      <p:grpSpPr>
+        <a:xfrm>
+          <a:off x="0" y="0"/>
+          <a:ext cx="0" cy="0"/>
+          <a:chOff x="0" y="0"/>
+          <a:chExt cx="0" cy="0"/>
+        </a:xfrm>
+      </p:grpSpPr>
+      <p:sp>
+        <p:nvSpPr>
+          <p:cNvPr id="2" name="Slide Image Placeholder 1"/>
+          <p:cNvSpPr>
+            <a:spLocks noGrp="1" noRot="1" noChangeAspect="1"/>
+          </p:cNvSpPr>
+          <p:nvPr>
+            <p:ph type="sldImg"/>
+          </p:nvPr>
+        </p:nvSpPr>
+        <p:spPr/>
+      </p:sp>
+      <mc:AlternateContent xmlns:mc="http://schemas.openxmlformats.org/markup-compatibility/2006">
+        <mc:Choice xmlns:a14="http://schemas.microsoft.com/office/drawing/2010/main" Requires="a14">
+          <p:sp>
+            <p:nvSpPr>
+              <p:cNvPr id="3" name="Notes Placeholder 2"/>
+              <p:cNvSpPr>
+                <a:spLocks noGrp="1"/>
+              </p:cNvSpPr>
+              <p:nvPr>
+                <p:ph type="body" idx="1"/>
+              </p:nvPr>
+            </p:nvSpPr>
+            <p:spPr/>
+            <p:txBody>
+              <a:bodyPr/>
+              <a:lstStyle/>
+              <a:p>
+                <a:pPr marL="0" marR="0" indent="0" algn="l" defTabSz="914400" rtl="0" eaLnBrk="1" fontAlgn="auto" latinLnBrk="0" hangingPunct="1">
+                  <a:lnSpc>
+                    <a:spcPct val="100000"/>
+                  </a:lnSpc>
+                  <a:spcBef>
+                    <a:spcPts val="0"/>
+                  </a:spcBef>
+                  <a:spcAft>
+                    <a:spcPts val="0"/>
+                  </a:spcAft>
+                  <a:buClrTx/>
+                  <a:buSzTx/>
+                  <a:buFontTx/>
+                  <a:buNone/>
+                  <a:tabLst/>
+                  <a:defRPr/>
+                </a:pPr>
+                <a:r>
+                  <a:rPr lang="en-SE" dirty="0" smtClean="0"/>
+                  <a:t>the </a:t>
+                </a:r>
+                <a14:m>
+                  <m:oMath xmlns:m="http://schemas.openxmlformats.org/officeDocument/2006/math">
+                    <m:sSub>
+                      <m:sSubPr>
+                        <m:ctrlPr>
+                          <a:rPr lang="en-SE" i="1">
+                            <a:latin typeface="Cambria Math" panose="02040503050406030204" pitchFamily="18" charset="0"/>
+                          </a:rPr>
+                        </m:ctrlPr>
+                      </m:sSubPr>
+                      <m:e>
+                        <m:r>
+                          <a:rPr lang="en-SE" i="1">
+                            <a:latin typeface="Cambria Math" panose="02040503050406030204" pitchFamily="18" charset="0"/>
+                          </a:rPr>
+                          <m:t>𝑓</m:t>
+                        </m:r>
+                      </m:e>
+                      <m:sub>
+                        <m:r>
+                          <a:rPr lang="en-SE" i="1">
+                            <a:latin typeface="Cambria Math" panose="02040503050406030204" pitchFamily="18" charset="0"/>
+                          </a:rPr>
+                          <m:t>𝑎</m:t>
+                        </m:r>
+                      </m:sub>
+                    </m:sSub>
+                    <m:r>
+                      <a:rPr lang="en-SE" i="1">
+                        <a:latin typeface="Cambria Math" panose="02040503050406030204" pitchFamily="18" charset="0"/>
+                      </a:rPr>
+                      <m:t>(</m:t>
+                    </m:r>
+                    <m:r>
+                      <a:rPr lang="en-SE" i="1">
+                        <a:latin typeface="Cambria Math" panose="02040503050406030204" pitchFamily="18" charset="0"/>
+                      </a:rPr>
+                      <m:t>𝑦</m:t>
+                    </m:r>
+                    <m:r>
+                      <a:rPr lang="en-SE" i="1">
+                        <a:latin typeface="Cambria Math" panose="02040503050406030204" pitchFamily="18" charset="0"/>
+                      </a:rPr>
+                      <m:t>)</m:t>
+                    </m:r>
+                  </m:oMath>
+                </a14:m>
+                <a:r>
+                  <a:rPr lang="en-SE" dirty="0"/>
+                  <a:t> </a:t>
+                </a:r>
+                <a:r>
+                  <a:rPr lang="en-SE" dirty="0" smtClean="0"/>
+                  <a:t>is closer to the Laplace distribution inserted by the DP mechanism.</a:t>
+                </a:r>
+                <a:endParaRPr lang="en-US" dirty="0"/>
+              </a:p>
+              <a:p>
+                <a:endParaRPr lang="en-US" dirty="0"/>
+              </a:p>
+            </p:txBody>
+          </p:sp>
+        </mc:Choice>
+        <mc:Fallback>
+          <p:sp>
+            <p:nvSpPr>
+              <p:cNvPr id="3" name="Notes Placeholder 2"/>
+              <p:cNvSpPr>
+                <a:spLocks noGrp="1"/>
+              </p:cNvSpPr>
+              <p:nvPr>
+                <p:ph type="body" idx="1"/>
+              </p:nvPr>
+            </p:nvSpPr>
+            <p:spPr/>
+            <p:txBody>
+              <a:bodyPr/>
+              <a:lstStyle/>
+              <a:p>
+                <a:pPr marL="0" marR="0" indent="0" algn="l" defTabSz="914400" rtl="0" eaLnBrk="1" fontAlgn="auto" latinLnBrk="0" hangingPunct="1">
+                  <a:lnSpc>
+                    <a:spcPct val="100000"/>
+                  </a:lnSpc>
+                  <a:spcBef>
+                    <a:spcPts val="0"/>
+                  </a:spcBef>
+                  <a:spcAft>
+                    <a:spcPts val="0"/>
+                  </a:spcAft>
+                  <a:buClrTx/>
+                  <a:buSzTx/>
+                  <a:buFontTx/>
+                  <a:buNone/>
+                  <a:tabLst/>
+                  <a:defRPr/>
+                </a:pPr>
+                <a:r>
+                  <a:rPr lang="en-SE" dirty="0" smtClean="0"/>
+                  <a:t>the </a:t>
+                </a:r>
+                <a:r>
+                  <a:rPr lang="en-SE" i="0">
+                    <a:latin typeface="Cambria Math" panose="02040503050406030204" pitchFamily="18" charset="0"/>
+                  </a:rPr>
+                  <a:t>𝑓_𝑎 (𝑦)</a:t>
+                </a:r>
+                <a:r>
+                  <a:rPr lang="en-SE" dirty="0"/>
+                  <a:t> </a:t>
+                </a:r>
+                <a:r>
+                  <a:rPr lang="en-SE" dirty="0" smtClean="0"/>
+                  <a:t>is closer to the Laplace distribution inserted by the DP mechanism.</a:t>
+                </a:r>
+                <a:endParaRPr lang="en-US" dirty="0"/>
+              </a:p>
+              <a:p>
+                <a:endParaRPr lang="en-US" dirty="0"/>
+              </a:p>
+            </p:txBody>
+          </p:sp>
+        </mc:Fallback>
+      </mc:AlternateContent>
+      <p:sp>
+        <p:nvSpPr>
+          <p:cNvPr id="4" name="Slide Number Placeholder 3"/>
+          <p:cNvSpPr>
+            <a:spLocks noGrp="1"/>
+          </p:cNvSpPr>
+          <p:nvPr>
+            <p:ph type="sldNum" sz="quarter" idx="10"/>
+          </p:nvPr>
+        </p:nvSpPr>
+        <p:spPr/>
+        <p:txBody>
+          <a:bodyPr/>
+          <a:lstStyle/>
+          <a:p>
+            <a:fld id="{9759C4A7-EF62-4E76-99C8-FC7A8F377225}" type="slidenum">
+              <a:rPr lang="en-US" smtClean="0"/>
+              <a:pPr/>
+              <a:t>13</a:t>
+            </a:fld>
+            <a:endParaRPr lang="en-US"/>
+          </a:p>
+        </p:txBody>
+      </p:sp>
+    </p:spTree>
+    <p:extLst>
+      <p:ext uri="{BB962C8B-B14F-4D97-AF65-F5344CB8AC3E}">
+        <p14:creationId xmlns:p14="http://schemas.microsoft.com/office/powerpoint/2010/main" val="619412960"/>
       </p:ext>
     </p:extLst>
   </p:cSld>
@@ -1121,7 +1348,7 @@
             <a:fld id="{CE1938E7-FCD4-418C-87D0-DD707A52F1FF}" type="datetimeFigureOut">
               <a:rPr lang="en-US" smtClean="0"/>
               <a:pPr/>
-              <a:t>6/10/2020</a:t>
+              <a:t>6/12/2020</a:t>
             </a:fld>
             <a:endParaRPr lang="en-US"/>
           </a:p>
@@ -1687,7 +1914,7 @@
             <a:fld id="{CE1938E7-FCD4-418C-87D0-DD707A52F1FF}" type="datetimeFigureOut">
               <a:rPr lang="en-US" smtClean="0"/>
               <a:pPr/>
-              <a:t>6/10/2020</a:t>
+              <a:t>6/12/2020</a:t>
             </a:fld>
             <a:endParaRPr lang="en-US"/>
           </a:p>
@@ -2579,7 +2806,7 @@
             </p:nvSpPr>
             <p:spPr>
               <a:blipFill>
-                <a:blip r:embed="rId2"/>
+                <a:blip r:embed="rId3"/>
                 <a:stretch>
                   <a:fillRect b="-9091"/>
                 </a:stretch>
@@ -2600,8 +2827,8 @@
           </p:sp>
         </mc:Fallback>
       </mc:AlternateContent>
-      <mc:AlternateContent xmlns:mc="http://schemas.openxmlformats.org/markup-compatibility/2006" xmlns:a14="http://schemas.microsoft.com/office/drawing/2010/main">
-        <mc:Choice Requires="a14">
+      <mc:AlternateContent xmlns:mc="http://schemas.openxmlformats.org/markup-compatibility/2006">
+        <mc:Choice xmlns:a14="http://schemas.microsoft.com/office/drawing/2010/main" Requires="a14">
           <p:sp>
             <p:nvSpPr>
               <p:cNvPr id="3" name="Content Placeholder 2"/>
@@ -2709,69 +2936,103 @@
                 </a:r>
                 <a:r>
                   <a:rPr lang="en-SE" dirty="0" smtClean="0"/>
-                  <a:t>attacker is more stealthy, so the </a:t>
+                  <a:t>attacker is more stealthy, so </a:t>
+                </a:r>
+                <a:r>
+                  <a:rPr lang="en-US" dirty="0"/>
+                  <a:t>so</a:t>
+                </a:r>
+                <a:r>
+                  <a:rPr lang="en-SE" dirty="0"/>
+                  <a:t> the distribution </a:t>
                 </a:r>
                 <a14:m>
                   <m:oMath xmlns:m="http://schemas.openxmlformats.org/officeDocument/2006/math">
                     <m:sSub>
                       <m:sSubPr>
                         <m:ctrlPr>
-                          <a:rPr lang="en-SE" i="1">
-                            <a:latin typeface="Cambria Math" panose="02040503050406030204" pitchFamily="18" charset="0"/>
-                          </a:rPr>
+                          <a:rPr lang="en-US" i="1"/>
                         </m:ctrlPr>
                       </m:sSubPr>
                       <m:e>
                         <m:r>
-                          <a:rPr lang="en-SE" i="1">
-                            <a:latin typeface="Cambria Math" panose="02040503050406030204" pitchFamily="18" charset="0"/>
-                          </a:rPr>
+                          <a:rPr lang="en-SE" i="1"/>
                           <m:t>𝑓</m:t>
                         </m:r>
                       </m:e>
                       <m:sub>
                         <m:r>
-                          <a:rPr lang="en-SE" i="1">
-                            <a:latin typeface="Cambria Math" panose="02040503050406030204" pitchFamily="18" charset="0"/>
-                          </a:rPr>
+                          <a:rPr lang="en-SE" i="1"/>
                           <m:t>𝑎</m:t>
                         </m:r>
                       </m:sub>
                     </m:sSub>
                     <m:r>
-                      <a:rPr lang="en-SE" i="1">
-                        <a:latin typeface="Cambria Math" panose="02040503050406030204" pitchFamily="18" charset="0"/>
-                      </a:rPr>
+                      <a:rPr lang="en-SE" i="1"/>
                       <m:t>(</m:t>
                     </m:r>
                     <m:r>
-                      <a:rPr lang="en-SE" i="1">
-                        <a:latin typeface="Cambria Math" panose="02040503050406030204" pitchFamily="18" charset="0"/>
-                      </a:rPr>
+                      <a:rPr lang="en-SE" i="1"/>
                       <m:t>𝑦</m:t>
                     </m:r>
                     <m:r>
-                      <a:rPr lang="en-SE" i="1">
-                        <a:latin typeface="Cambria Math" panose="02040503050406030204" pitchFamily="18" charset="0"/>
-                      </a:rPr>
+                      <a:rPr lang="en-SE" i="1"/>
                       <m:t>)</m:t>
                     </m:r>
                   </m:oMath>
                 </a14:m>
                 <a:r>
                   <a:rPr lang="en-SE" dirty="0"/>
-                  <a:t> </a:t>
+                  <a:t> should stay close to the original </a:t>
                 </a:r>
                 <a:r>
                   <a:rPr lang="en-SE" dirty="0" smtClean="0"/>
-                  <a:t>is closer to the Laplace distribution inserted by the DP mechanism.</a:t>
+                  <a:t>DP noise distribution </a:t>
                 </a:r>
-                <a:endParaRPr lang="en-US" dirty="0"/>
+                <a14:m>
+                  <m:oMath xmlns:m="http://schemas.openxmlformats.org/officeDocument/2006/math">
+                    <m:sSub>
+                      <m:sSubPr>
+                        <m:ctrlPr>
+                          <a:rPr lang="en-US" i="1"/>
+                        </m:ctrlPr>
+                      </m:sSubPr>
+                      <m:e>
+                        <m:r>
+                          <a:rPr lang="en-SE" i="1"/>
+                          <m:t>𝑓</m:t>
+                        </m:r>
+                      </m:e>
+                      <m:sub>
+                        <m:r>
+                          <a:rPr lang="en-SE" i="1"/>
+                          <m:t>0</m:t>
+                        </m:r>
+                      </m:sub>
+                    </m:sSub>
+                    <m:r>
+                      <a:rPr lang="en-SE" i="1"/>
+                      <m:t>(</m:t>
+                    </m:r>
+                    <m:r>
+                      <a:rPr lang="en-SE" i="1"/>
+                      <m:t>𝑦</m:t>
+                    </m:r>
+                    <m:r>
+                      <a:rPr lang="en-SE" i="1"/>
+                      <m:t>)</m:t>
+                    </m:r>
+                  </m:oMath>
+                </a14:m>
+                <a:endParaRPr lang="en-SE" dirty="0" smtClean="0"/>
+              </a:p>
+              <a:p>
+                <a:endParaRPr lang="en-SE" dirty="0"/>
               </a:p>
             </p:txBody>
           </p:sp>
         </mc:Choice>
-        <mc:Fallback xmlns="">
+        <mc:Fallback>
           <p:sp>
             <p:nvSpPr>
               <p:cNvPr id="3" name="Content Placeholder 2"/>
@@ -2788,7 +3049,7 @@
                 <a:ext cx="8839200" cy="1283330"/>
               </a:xfrm>
               <a:blipFill>
-                <a:blip r:embed="rId3"/>
+                <a:blip r:embed="rId4"/>
                 <a:stretch>
                   <a:fillRect l="-759" t="-8095" r="-1310" b="-952"/>
                 </a:stretch>
@@ -2818,7 +3079,7 @@
           <p:nvPr/>
         </p:nvPicPr>
         <p:blipFill>
-          <a:blip r:embed="rId4"/>
+          <a:blip r:embed="rId5"/>
           <a:stretch>
             <a:fillRect/>
           </a:stretch>
@@ -2842,7 +3103,7 @@
           <p:nvPr/>
         </p:nvPicPr>
         <p:blipFill>
-          <a:blip r:embed="rId5"/>
+          <a:blip r:embed="rId6"/>
           <a:stretch>
             <a:fillRect/>
           </a:stretch>
@@ -3802,8 +4063,8 @@
           </a:p>
         </p:txBody>
       </p:sp>
-      <mc:AlternateContent xmlns:mc="http://schemas.openxmlformats.org/markup-compatibility/2006">
-        <mc:Choice xmlns:a14="http://schemas.microsoft.com/office/drawing/2010/main" Requires="a14">
+      <mc:AlternateContent xmlns:mc="http://schemas.openxmlformats.org/markup-compatibility/2006" xmlns:a14="http://schemas.microsoft.com/office/drawing/2010/main">
+        <mc:Choice Requires="a14">
           <p:sp>
             <p:nvSpPr>
               <p:cNvPr id="3" name="Content Placeholder 2"/>
@@ -4099,7 +4360,7 @@
             </p:txBody>
           </p:sp>
         </mc:Choice>
-        <mc:Fallback>
+        <mc:Fallback xmlns="">
           <p:sp>
             <p:nvSpPr>
               <p:cNvPr id="3" name="Content Placeholder 2"/>

--- a/AdvOS/PPT+papers/Giraldo NDSS20 Notes.pptx
+++ b/AdvOS/PPT+papers/Giraldo NDSS20 Notes.pptx
@@ -222,7 +222,7 @@
             <a:fld id="{7C0CEB4B-0D62-444C-A05C-70565453F06B}" type="datetimeFigureOut">
               <a:rPr lang="en-US" smtClean="0"/>
               <a:pPr/>
-              <a:t>6/12/2020</a:t>
+              <a:t>6/10/2020</a:t>
             </a:fld>
             <a:endParaRPr lang="en-US"/>
           </a:p>
@@ -598,8 +598,8 @@
         </p:nvSpPr>
         <p:spPr/>
       </p:sp>
-      <mc:AlternateContent xmlns:mc="http://schemas.openxmlformats.org/markup-compatibility/2006" xmlns:a14="http://schemas.microsoft.com/office/drawing/2010/main">
-        <mc:Choice Requires="a14">
+      <mc:AlternateContent xmlns:mc="http://schemas.openxmlformats.org/markup-compatibility/2006">
+        <mc:Choice xmlns:a14="http://schemas.microsoft.com/office/drawing/2010/main" Requires="a14">
           <p:sp>
             <p:nvSpPr>
               <p:cNvPr id="3" name="Notes Placeholder 2"/>
@@ -698,7 +698,7 @@
             </p:txBody>
           </p:sp>
         </mc:Choice>
-        <mc:Fallback xmlns="">
+        <mc:Fallback>
           <p:sp>
             <p:nvSpPr>
               <p:cNvPr id="3" name="Notes Placeholder 2"/>
@@ -930,233 +930,6 @@
     <p:extLst>
       <p:ext uri="{BB962C8B-B14F-4D97-AF65-F5344CB8AC3E}">
         <p14:creationId xmlns:p14="http://schemas.microsoft.com/office/powerpoint/2010/main" val="755277078"/>
-      </p:ext>
-    </p:extLst>
-  </p:cSld>
-  <p:clrMapOvr>
-    <a:masterClrMapping/>
-  </p:clrMapOvr>
-</p:notes>
-</file>
-
-<file path=ppt/notesSlides/notesSlide4.xml><?xml version="1.0" encoding="utf-8"?>
-<p:notes xmlns:a="http://schemas.openxmlformats.org/drawingml/2006/main" xmlns:r="http://schemas.openxmlformats.org/officeDocument/2006/relationships" xmlns:p="http://schemas.openxmlformats.org/presentationml/2006/main">
-  <p:cSld>
-    <p:spTree>
-      <p:nvGrpSpPr>
-        <p:cNvPr id="1" name=""/>
-        <p:cNvGrpSpPr/>
-        <p:nvPr/>
-      </p:nvGrpSpPr>
-      <p:grpSpPr>
-        <a:xfrm>
-          <a:off x="0" y="0"/>
-          <a:ext cx="0" cy="0"/>
-          <a:chOff x="0" y="0"/>
-          <a:chExt cx="0" cy="0"/>
-        </a:xfrm>
-      </p:grpSpPr>
-      <p:sp>
-        <p:nvSpPr>
-          <p:cNvPr id="2" name="Slide Image Placeholder 1"/>
-          <p:cNvSpPr>
-            <a:spLocks noGrp="1" noRot="1" noChangeAspect="1"/>
-          </p:cNvSpPr>
-          <p:nvPr>
-            <p:ph type="sldImg"/>
-          </p:nvPr>
-        </p:nvSpPr>
-        <p:spPr/>
-      </p:sp>
-      <mc:AlternateContent xmlns:mc="http://schemas.openxmlformats.org/markup-compatibility/2006">
-        <mc:Choice xmlns:a14="http://schemas.microsoft.com/office/drawing/2010/main" Requires="a14">
-          <p:sp>
-            <p:nvSpPr>
-              <p:cNvPr id="3" name="Notes Placeholder 2"/>
-              <p:cNvSpPr>
-                <a:spLocks noGrp="1"/>
-              </p:cNvSpPr>
-              <p:nvPr>
-                <p:ph type="body" idx="1"/>
-              </p:nvPr>
-            </p:nvSpPr>
-            <p:spPr/>
-            <p:txBody>
-              <a:bodyPr/>
-              <a:lstStyle/>
-              <a:p>
-                <a:pPr marL="0" marR="0" indent="0" algn="l" defTabSz="914400" rtl="0" eaLnBrk="1" fontAlgn="auto" latinLnBrk="0" hangingPunct="1">
-                  <a:lnSpc>
-                    <a:spcPct val="100000"/>
-                  </a:lnSpc>
-                  <a:spcBef>
-                    <a:spcPts val="0"/>
-                  </a:spcBef>
-                  <a:spcAft>
-                    <a:spcPts val="0"/>
-                  </a:spcAft>
-                  <a:buClrTx/>
-                  <a:buSzTx/>
-                  <a:buFontTx/>
-                  <a:buNone/>
-                  <a:tabLst/>
-                  <a:defRPr/>
-                </a:pPr>
-                <a:r>
-                  <a:rPr lang="en-SE" dirty="0" smtClean="0"/>
-                  <a:t>the </a:t>
-                </a:r>
-                <a14:m>
-                  <m:oMath xmlns:m="http://schemas.openxmlformats.org/officeDocument/2006/math">
-                    <m:sSub>
-                      <m:sSubPr>
-                        <m:ctrlPr>
-                          <a:rPr lang="en-SE" i="1">
-                            <a:latin typeface="Cambria Math" panose="02040503050406030204" pitchFamily="18" charset="0"/>
-                          </a:rPr>
-                        </m:ctrlPr>
-                      </m:sSubPr>
-                      <m:e>
-                        <m:r>
-                          <a:rPr lang="en-SE" i="1">
-                            <a:latin typeface="Cambria Math" panose="02040503050406030204" pitchFamily="18" charset="0"/>
-                          </a:rPr>
-                          <m:t>𝑓</m:t>
-                        </m:r>
-                      </m:e>
-                      <m:sub>
-                        <m:r>
-                          <a:rPr lang="en-SE" i="1">
-                            <a:latin typeface="Cambria Math" panose="02040503050406030204" pitchFamily="18" charset="0"/>
-                          </a:rPr>
-                          <m:t>𝑎</m:t>
-                        </m:r>
-                      </m:sub>
-                    </m:sSub>
-                    <m:r>
-                      <a:rPr lang="en-SE" i="1">
-                        <a:latin typeface="Cambria Math" panose="02040503050406030204" pitchFamily="18" charset="0"/>
-                      </a:rPr>
-                      <m:t>(</m:t>
-                    </m:r>
-                    <m:r>
-                      <a:rPr lang="en-SE" i="1">
-                        <a:latin typeface="Cambria Math" panose="02040503050406030204" pitchFamily="18" charset="0"/>
-                      </a:rPr>
-                      <m:t>𝑦</m:t>
-                    </m:r>
-                    <m:r>
-                      <a:rPr lang="en-SE" i="1">
-                        <a:latin typeface="Cambria Math" panose="02040503050406030204" pitchFamily="18" charset="0"/>
-                      </a:rPr>
-                      <m:t>)</m:t>
-                    </m:r>
-                  </m:oMath>
-                </a14:m>
-                <a:r>
-                  <a:rPr lang="en-SE" dirty="0"/>
-                  <a:t> </a:t>
-                </a:r>
-                <a:r>
-                  <a:rPr lang="en-SE" dirty="0" smtClean="0"/>
-                  <a:t>is closer to the Laplace distribution inserted by the DP mechanism.</a:t>
-                </a:r>
-                <a:endParaRPr lang="en-US" dirty="0"/>
-              </a:p>
-              <a:p>
-                <a:endParaRPr lang="en-US" dirty="0"/>
-              </a:p>
-            </p:txBody>
-          </p:sp>
-        </mc:Choice>
-        <mc:Fallback>
-          <p:sp>
-            <p:nvSpPr>
-              <p:cNvPr id="3" name="Notes Placeholder 2"/>
-              <p:cNvSpPr>
-                <a:spLocks noGrp="1"/>
-              </p:cNvSpPr>
-              <p:nvPr>
-                <p:ph type="body" idx="1"/>
-              </p:nvPr>
-            </p:nvSpPr>
-            <p:spPr/>
-            <p:txBody>
-              <a:bodyPr/>
-              <a:lstStyle/>
-              <a:p>
-                <a:pPr marL="0" marR="0" indent="0" algn="l" defTabSz="914400" rtl="0" eaLnBrk="1" fontAlgn="auto" latinLnBrk="0" hangingPunct="1">
-                  <a:lnSpc>
-                    <a:spcPct val="100000"/>
-                  </a:lnSpc>
-                  <a:spcBef>
-                    <a:spcPts val="0"/>
-                  </a:spcBef>
-                  <a:spcAft>
-                    <a:spcPts val="0"/>
-                  </a:spcAft>
-                  <a:buClrTx/>
-                  <a:buSzTx/>
-                  <a:buFontTx/>
-                  <a:buNone/>
-                  <a:tabLst/>
-                  <a:defRPr/>
-                </a:pPr>
-                <a:r>
-                  <a:rPr lang="en-SE" dirty="0" smtClean="0"/>
-                  <a:t>the </a:t>
-                </a:r>
-                <a:r>
-                  <a:rPr lang="en-SE" i="0">
-                    <a:latin typeface="Cambria Math" panose="02040503050406030204" pitchFamily="18" charset="0"/>
-                  </a:rPr>
-                  <a:t>𝑓_𝑎 (𝑦)</a:t>
-                </a:r>
-                <a:r>
-                  <a:rPr lang="en-SE" dirty="0"/>
-                  <a:t> </a:t>
-                </a:r>
-                <a:r>
-                  <a:rPr lang="en-SE" dirty="0" smtClean="0"/>
-                  <a:t>is closer to the Laplace distribution inserted by the DP mechanism.</a:t>
-                </a:r>
-                <a:endParaRPr lang="en-US" dirty="0"/>
-              </a:p>
-              <a:p>
-                <a:endParaRPr lang="en-US" dirty="0"/>
-              </a:p>
-            </p:txBody>
-          </p:sp>
-        </mc:Fallback>
-      </mc:AlternateContent>
-      <p:sp>
-        <p:nvSpPr>
-          <p:cNvPr id="4" name="Slide Number Placeholder 3"/>
-          <p:cNvSpPr>
-            <a:spLocks noGrp="1"/>
-          </p:cNvSpPr>
-          <p:nvPr>
-            <p:ph type="sldNum" sz="quarter" idx="10"/>
-          </p:nvPr>
-        </p:nvSpPr>
-        <p:spPr/>
-        <p:txBody>
-          <a:bodyPr/>
-          <a:lstStyle/>
-          <a:p>
-            <a:fld id="{9759C4A7-EF62-4E76-99C8-FC7A8F377225}" type="slidenum">
-              <a:rPr lang="en-US" smtClean="0"/>
-              <a:pPr/>
-              <a:t>13</a:t>
-            </a:fld>
-            <a:endParaRPr lang="en-US"/>
-          </a:p>
-        </p:txBody>
-      </p:sp>
-    </p:spTree>
-    <p:extLst>
-      <p:ext uri="{BB962C8B-B14F-4D97-AF65-F5344CB8AC3E}">
-        <p14:creationId xmlns:p14="http://schemas.microsoft.com/office/powerpoint/2010/main" val="619412960"/>
       </p:ext>
     </p:extLst>
   </p:cSld>
@@ -1348,7 +1121,7 @@
             <a:fld id="{CE1938E7-FCD4-418C-87D0-DD707A52F1FF}" type="datetimeFigureOut">
               <a:rPr lang="en-US" smtClean="0"/>
               <a:pPr/>
-              <a:t>6/12/2020</a:t>
+              <a:t>6/10/2020</a:t>
             </a:fld>
             <a:endParaRPr lang="en-US"/>
           </a:p>
@@ -1914,7 +1687,7 @@
             <a:fld id="{CE1938E7-FCD4-418C-87D0-DD707A52F1FF}" type="datetimeFigureOut">
               <a:rPr lang="en-US" smtClean="0"/>
               <a:pPr/>
-              <a:t>6/12/2020</a:t>
+              <a:t>6/10/2020</a:t>
             </a:fld>
             <a:endParaRPr lang="en-US"/>
           </a:p>
@@ -2806,7 +2579,7 @@
             </p:nvSpPr>
             <p:spPr>
               <a:blipFill>
-                <a:blip r:embed="rId3"/>
+                <a:blip r:embed="rId2"/>
                 <a:stretch>
                   <a:fillRect b="-9091"/>
                 </a:stretch>
@@ -2827,8 +2600,8 @@
           </p:sp>
         </mc:Fallback>
       </mc:AlternateContent>
-      <mc:AlternateContent xmlns:mc="http://schemas.openxmlformats.org/markup-compatibility/2006">
-        <mc:Choice xmlns:a14="http://schemas.microsoft.com/office/drawing/2010/main" Requires="a14">
+      <mc:AlternateContent xmlns:mc="http://schemas.openxmlformats.org/markup-compatibility/2006" xmlns:a14="http://schemas.microsoft.com/office/drawing/2010/main">
+        <mc:Choice Requires="a14">
           <p:sp>
             <p:nvSpPr>
               <p:cNvPr id="3" name="Content Placeholder 2"/>
@@ -2936,103 +2709,69 @@
                 </a:r>
                 <a:r>
                   <a:rPr lang="en-SE" dirty="0" smtClean="0"/>
-                  <a:t>attacker is more stealthy, so </a:t>
-                </a:r>
-                <a:r>
-                  <a:rPr lang="en-US" dirty="0"/>
-                  <a:t>so</a:t>
-                </a:r>
-                <a:r>
-                  <a:rPr lang="en-SE" dirty="0"/>
-                  <a:t> the distribution </a:t>
+                  <a:t>attacker is more stealthy, so the </a:t>
                 </a:r>
                 <a14:m>
                   <m:oMath xmlns:m="http://schemas.openxmlformats.org/officeDocument/2006/math">
                     <m:sSub>
                       <m:sSubPr>
                         <m:ctrlPr>
-                          <a:rPr lang="en-US" i="1"/>
+                          <a:rPr lang="en-SE" i="1">
+                            <a:latin typeface="Cambria Math" panose="02040503050406030204" pitchFamily="18" charset="0"/>
+                          </a:rPr>
                         </m:ctrlPr>
                       </m:sSubPr>
                       <m:e>
                         <m:r>
-                          <a:rPr lang="en-SE" i="1"/>
+                          <a:rPr lang="en-SE" i="1">
+                            <a:latin typeface="Cambria Math" panose="02040503050406030204" pitchFamily="18" charset="0"/>
+                          </a:rPr>
                           <m:t>𝑓</m:t>
                         </m:r>
                       </m:e>
                       <m:sub>
                         <m:r>
-                          <a:rPr lang="en-SE" i="1"/>
+                          <a:rPr lang="en-SE" i="1">
+                            <a:latin typeface="Cambria Math" panose="02040503050406030204" pitchFamily="18" charset="0"/>
+                          </a:rPr>
                           <m:t>𝑎</m:t>
                         </m:r>
                       </m:sub>
                     </m:sSub>
                     <m:r>
-                      <a:rPr lang="en-SE" i="1"/>
+                      <a:rPr lang="en-SE" i="1">
+                        <a:latin typeface="Cambria Math" panose="02040503050406030204" pitchFamily="18" charset="0"/>
+                      </a:rPr>
                       <m:t>(</m:t>
                     </m:r>
                     <m:r>
-                      <a:rPr lang="en-SE" i="1"/>
+                      <a:rPr lang="en-SE" i="1">
+                        <a:latin typeface="Cambria Math" panose="02040503050406030204" pitchFamily="18" charset="0"/>
+                      </a:rPr>
                       <m:t>𝑦</m:t>
                     </m:r>
                     <m:r>
-                      <a:rPr lang="en-SE" i="1"/>
+                      <a:rPr lang="en-SE" i="1">
+                        <a:latin typeface="Cambria Math" panose="02040503050406030204" pitchFamily="18" charset="0"/>
+                      </a:rPr>
                       <m:t>)</m:t>
                     </m:r>
                   </m:oMath>
                 </a14:m>
                 <a:r>
                   <a:rPr lang="en-SE" dirty="0"/>
-                  <a:t> should stay close to the original </a:t>
+                  <a:t> </a:t>
                 </a:r>
                 <a:r>
                   <a:rPr lang="en-SE" dirty="0" smtClean="0"/>
-                  <a:t>DP noise distribution </a:t>
+                  <a:t>is closer to the Laplace distribution inserted by the DP mechanism.</a:t>
                 </a:r>
-                <a14:m>
-                  <m:oMath xmlns:m="http://schemas.openxmlformats.org/officeDocument/2006/math">
-                    <m:sSub>
-                      <m:sSubPr>
-                        <m:ctrlPr>
-                          <a:rPr lang="en-US" i="1"/>
-                        </m:ctrlPr>
-                      </m:sSubPr>
-                      <m:e>
-                        <m:r>
-                          <a:rPr lang="en-SE" i="1"/>
-                          <m:t>𝑓</m:t>
-                        </m:r>
-                      </m:e>
-                      <m:sub>
-                        <m:r>
-                          <a:rPr lang="en-SE" i="1"/>
-                          <m:t>0</m:t>
-                        </m:r>
-                      </m:sub>
-                    </m:sSub>
-                    <m:r>
-                      <a:rPr lang="en-SE" i="1"/>
-                      <m:t>(</m:t>
-                    </m:r>
-                    <m:r>
-                      <a:rPr lang="en-SE" i="1"/>
-                      <m:t>𝑦</m:t>
-                    </m:r>
-                    <m:r>
-                      <a:rPr lang="en-SE" i="1"/>
-                      <m:t>)</m:t>
-                    </m:r>
-                  </m:oMath>
-                </a14:m>
-                <a:endParaRPr lang="en-SE" dirty="0" smtClean="0"/>
-              </a:p>
-              <a:p>
-                <a:endParaRPr lang="en-SE" dirty="0"/>
+                <a:endParaRPr lang="en-US" dirty="0"/>
               </a:p>
             </p:txBody>
           </p:sp>
         </mc:Choice>
-        <mc:Fallback>
+        <mc:Fallback xmlns="">
           <p:sp>
             <p:nvSpPr>
               <p:cNvPr id="3" name="Content Placeholder 2"/>
@@ -3049,7 +2788,7 @@
                 <a:ext cx="8839200" cy="1283330"/>
               </a:xfrm>
               <a:blipFill>
-                <a:blip r:embed="rId4"/>
+                <a:blip r:embed="rId3"/>
                 <a:stretch>
                   <a:fillRect l="-759" t="-8095" r="-1310" b="-952"/>
                 </a:stretch>
@@ -3079,7 +2818,7 @@
           <p:nvPr/>
         </p:nvPicPr>
         <p:blipFill>
-          <a:blip r:embed="rId5"/>
+          <a:blip r:embed="rId4"/>
           <a:stretch>
             <a:fillRect/>
           </a:stretch>
@@ -3103,7 +2842,7 @@
           <p:nvPr/>
         </p:nvPicPr>
         <p:blipFill>
-          <a:blip r:embed="rId6"/>
+          <a:blip r:embed="rId5"/>
           <a:stretch>
             <a:fillRect/>
           </a:stretch>
@@ -4063,8 +3802,8 @@
           </a:p>
         </p:txBody>
       </p:sp>
-      <mc:AlternateContent xmlns:mc="http://schemas.openxmlformats.org/markup-compatibility/2006" xmlns:a14="http://schemas.microsoft.com/office/drawing/2010/main">
-        <mc:Choice Requires="a14">
+      <mc:AlternateContent xmlns:mc="http://schemas.openxmlformats.org/markup-compatibility/2006">
+        <mc:Choice xmlns:a14="http://schemas.microsoft.com/office/drawing/2010/main" Requires="a14">
           <p:sp>
             <p:nvSpPr>
               <p:cNvPr id="3" name="Content Placeholder 2"/>
@@ -4360,7 +4099,7 @@
             </p:txBody>
           </p:sp>
         </mc:Choice>
-        <mc:Fallback xmlns="">
+        <mc:Fallback>
           <p:sp>
             <p:nvSpPr>
               <p:cNvPr id="3" name="Content Placeholder 2"/>
